--- a/Prisoner’s Dilemma Simulation.pptx
+++ b/Prisoner’s Dilemma Simulation.pptx
@@ -9,6 +9,10 @@
     <p:sldId id="257" r:id="rId3"/>
     <p:sldId id="258" r:id="rId4"/>
     <p:sldId id="259" r:id="rId5"/>
+    <p:sldId id="260" r:id="rId6"/>
+    <p:sldId id="261" r:id="rId7"/>
+    <p:sldId id="263" r:id="rId8"/>
+    <p:sldId id="262" r:id="rId9"/>
   </p:sldIdLst>
   <p:sldSz cx="12192000" cy="6858000"/>
   <p:notesSz cx="6858000" cy="9144000"/>
@@ -4105,6 +4109,14 @@
 <file path=ppt/slides/slide3.xml><?xml version="1.0" encoding="utf-8"?>
 <p:sld xmlns:a="http://schemas.openxmlformats.org/drawingml/2006/main" xmlns:r="http://schemas.openxmlformats.org/officeDocument/2006/relationships" xmlns:p="http://schemas.openxmlformats.org/presentationml/2006/main">
   <p:cSld>
+    <p:bg>
+      <p:bgPr>
+        <a:solidFill>
+          <a:schemeClr val="bg1"/>
+        </a:solidFill>
+        <a:effectLst/>
+      </p:bgPr>
+    </p:bg>
     <p:spTree>
       <p:nvGrpSpPr>
         <p:cNvPr id="1" name=""/>
@@ -4121,6 +4133,137 @@
       </p:grpSpPr>
       <p:sp>
         <p:nvSpPr>
+          <p:cNvPr id="12" name="Rectangle 11">
+            <a:extLst>
+              <a:ext uri="{FF2B5EF4-FFF2-40B4-BE49-F238E27FC236}">
+                <a16:creationId xmlns:a16="http://schemas.microsoft.com/office/drawing/2014/main" id="{AFA67CD3-AB4E-4A7A-BEB8-53C445D8C44E}"/>
+              </a:ext>
+              <a:ext uri="{C183D7F6-B498-43B3-948B-1728B52AA6E4}">
+                <adec:decorative xmlns:adec="http://schemas.microsoft.com/office/drawing/2017/decorative" val="1"/>
+              </a:ext>
+            </a:extLst>
+          </p:cNvPr>
+          <p:cNvSpPr>
+            <a:spLocks noGrp="1" noRot="1" noChangeAspect="1" noMove="1" noResize="1" noEditPoints="1" noAdjustHandles="1" noChangeArrowheads="1" noChangeShapeType="1" noTextEdit="1"/>
+          </p:cNvSpPr>
+          <p:nvPr>
+            <p:extLst>
+              <p:ext uri="{386F3935-93C4-4BCD-93E2-E3B085C9AB24}">
+                <p16:designElem xmlns:p16="http://schemas.microsoft.com/office/powerpoint/2015/main" val="1"/>
+              </p:ext>
+            </p:extLst>
+          </p:nvPr>
+        </p:nvSpPr>
+        <p:spPr>
+          <a:xfrm>
+            <a:off x="1" y="3726"/>
+            <a:ext cx="5614875" cy="6858000"/>
+          </a:xfrm>
+          <a:prstGeom prst="rect">
+            <a:avLst/>
+          </a:prstGeom>
+          <a:gradFill>
+            <a:gsLst>
+              <a:gs pos="0">
+                <a:schemeClr val="accent1">
+                  <a:lumMod val="100000"/>
+                  <a:alpha val="82000"/>
+                </a:schemeClr>
+              </a:gs>
+              <a:gs pos="25000">
+                <a:schemeClr val="accent1">
+                  <a:alpha val="60000"/>
+                </a:schemeClr>
+              </a:gs>
+              <a:gs pos="94000">
+                <a:schemeClr val="bg2">
+                  <a:lumMod val="75000"/>
+                </a:schemeClr>
+              </a:gs>
+              <a:gs pos="100000">
+                <a:schemeClr val="bg2">
+                  <a:lumMod val="75000"/>
+                </a:schemeClr>
+              </a:gs>
+            </a:gsLst>
+            <a:lin ang="4200000" scaled="0"/>
+          </a:gradFill>
+          <a:ln>
+            <a:noFill/>
+          </a:ln>
+        </p:spPr>
+        <p:style>
+          <a:lnRef idx="2">
+            <a:schemeClr val="accent1">
+              <a:shade val="50000"/>
+            </a:schemeClr>
+          </a:lnRef>
+          <a:fillRef idx="1">
+            <a:schemeClr val="accent1"/>
+          </a:fillRef>
+          <a:effectRef idx="0">
+            <a:schemeClr val="accent1"/>
+          </a:effectRef>
+          <a:fontRef idx="minor">
+            <a:schemeClr val="lt1"/>
+          </a:fontRef>
+        </p:style>
+        <p:txBody>
+          <a:bodyPr rtlCol="0" anchor="ctr"/>
+          <a:lstStyle/>
+          <a:p>
+            <a:pPr algn="ctr"/>
+            <a:endParaRPr lang="en-US"/>
+          </a:p>
+        </p:txBody>
+      </p:sp>
+      <p:pic>
+        <p:nvPicPr>
+          <p:cNvPr id="14" name="Picture 13">
+            <a:extLst>
+              <a:ext uri="{FF2B5EF4-FFF2-40B4-BE49-F238E27FC236}">
+                <a16:creationId xmlns:a16="http://schemas.microsoft.com/office/drawing/2014/main" id="{07CF545F-9C2E-4446-97CD-AD92990C2B68}"/>
+              </a:ext>
+              <a:ext uri="{C183D7F6-B498-43B3-948B-1728B52AA6E4}">
+                <adec:decorative xmlns:adec="http://schemas.microsoft.com/office/drawing/2017/decorative" val="1"/>
+              </a:ext>
+            </a:extLst>
+          </p:cNvPr>
+          <p:cNvPicPr>
+            <a:picLocks noGrp="1" noRot="1" noChangeAspect="1" noMove="1" noResize="1" noEditPoints="1" noAdjustHandles="1" noChangeArrowheads="1" noChangeShapeType="1" noCrop="1"/>
+          </p:cNvPicPr>
+          <p:nvPr>
+            <p:extLst>
+              <p:ext uri="{386F3935-93C4-4BCD-93E2-E3B085C9AB24}">
+                <p16:designElem xmlns:p16="http://schemas.microsoft.com/office/powerpoint/2015/main" val="1"/>
+              </p:ext>
+            </p:extLst>
+          </p:nvPr>
+        </p:nvPicPr>
+        <p:blipFill>
+          <a:blip r:embed="rId2">
+            <a:extLst>
+              <a:ext uri="{28A0092B-C50C-407E-A947-70E740481C1C}">
+                <a14:useLocalDpi xmlns:a14="http://schemas.microsoft.com/office/drawing/2010/main" val="0"/>
+              </a:ext>
+            </a:extLst>
+          </a:blip>
+          <a:stretch>
+            <a:fillRect/>
+          </a:stretch>
+        </p:blipFill>
+        <p:spPr>
+          <a:xfrm>
+            <a:off x="0" y="0"/>
+            <a:ext cx="12192000" cy="6858000"/>
+          </a:xfrm>
+          <a:prstGeom prst="rect">
+            <a:avLst/>
+          </a:prstGeom>
+        </p:spPr>
+      </p:pic>
+      <p:sp>
+        <p:nvSpPr>
           <p:cNvPr id="2" name="Title 1">
             <a:extLst>
               <a:ext uri="{FF2B5EF4-FFF2-40B4-BE49-F238E27FC236}">
@@ -4135,13 +4278,24 @@
             <p:ph type="title"/>
           </p:nvPr>
         </p:nvSpPr>
-        <p:spPr/>
-        <p:txBody>
-          <a:bodyPr/>
-          <a:lstStyle/>
-          <a:p>
-            <a:r>
-              <a:rPr lang="en-US" dirty="0"/>
+        <p:spPr>
+          <a:xfrm>
+            <a:off x="6094105" y="802955"/>
+            <a:ext cx="4977976" cy="1454051"/>
+          </a:xfrm>
+        </p:spPr>
+        <p:txBody>
+          <a:bodyPr>
+            <a:normAutofit/>
+          </a:bodyPr>
+          <a:lstStyle/>
+          <a:p>
+            <a:r>
+              <a:rPr lang="en-US">
+                <a:solidFill>
+                  <a:srgbClr val="000000"/>
+                </a:solidFill>
+              </a:rPr>
               <a:t>My Simulation</a:t>
             </a:r>
           </a:p>
@@ -4149,6 +4303,216 @@
       </p:sp>
       <p:sp>
         <p:nvSpPr>
+          <p:cNvPr id="16" name="Freeform 62">
+            <a:extLst>
+              <a:ext uri="{FF2B5EF4-FFF2-40B4-BE49-F238E27FC236}">
+                <a16:creationId xmlns:a16="http://schemas.microsoft.com/office/drawing/2014/main" id="{339C8D78-A644-462F-B674-F440635E5353}"/>
+              </a:ext>
+              <a:ext uri="{C183D7F6-B498-43B3-948B-1728B52AA6E4}">
+                <adec:decorative xmlns:adec="http://schemas.microsoft.com/office/drawing/2017/decorative" val="1"/>
+              </a:ext>
+            </a:extLst>
+          </p:cNvPr>
+          <p:cNvSpPr>
+            <a:spLocks noGrp="1" noRot="1" noChangeAspect="1" noMove="1" noResize="1" noEditPoints="1" noAdjustHandles="1" noChangeArrowheads="1" noChangeShapeType="1" noTextEdit="1"/>
+          </p:cNvSpPr>
+          <p:nvPr>
+            <p:extLst>
+              <p:ext uri="{386F3935-93C4-4BCD-93E2-E3B085C9AB24}">
+                <p16:designElem xmlns:p16="http://schemas.microsoft.com/office/powerpoint/2015/main" val="1"/>
+              </p:ext>
+            </p:extLst>
+          </p:nvPr>
+        </p:nvSpPr>
+        <p:spPr>
+          <a:xfrm>
+            <a:off x="0" y="738619"/>
+            <a:ext cx="5000438" cy="5400962"/>
+          </a:xfrm>
+          <a:custGeom>
+            <a:avLst/>
+            <a:gdLst>
+              <a:gd name="connsiteX0" fmla="*/ 2299956 w 5000438"/>
+              <a:gd name="connsiteY0" fmla="*/ 0 h 5400962"/>
+              <a:gd name="connsiteX1" fmla="*/ 5000438 w 5000438"/>
+              <a:gd name="connsiteY1" fmla="*/ 2700481 h 5400962"/>
+              <a:gd name="connsiteX2" fmla="*/ 2299956 w 5000438"/>
+              <a:gd name="connsiteY2" fmla="*/ 5400962 h 5400962"/>
+              <a:gd name="connsiteX3" fmla="*/ 60675 w 5000438"/>
+              <a:gd name="connsiteY3" fmla="*/ 4210346 h 5400962"/>
+              <a:gd name="connsiteX4" fmla="*/ 0 w 5000438"/>
+              <a:gd name="connsiteY4" fmla="*/ 4110472 h 5400962"/>
+              <a:gd name="connsiteX5" fmla="*/ 0 w 5000438"/>
+              <a:gd name="connsiteY5" fmla="*/ 1290491 h 5400962"/>
+              <a:gd name="connsiteX6" fmla="*/ 60675 w 5000438"/>
+              <a:gd name="connsiteY6" fmla="*/ 1190617 h 5400962"/>
+              <a:gd name="connsiteX7" fmla="*/ 2299956 w 5000438"/>
+              <a:gd name="connsiteY7" fmla="*/ 0 h 5400962"/>
+            </a:gdLst>
+            <a:ahLst/>
+            <a:cxnLst>
+              <a:cxn ang="0">
+                <a:pos x="connsiteX0" y="connsiteY0"/>
+              </a:cxn>
+              <a:cxn ang="0">
+                <a:pos x="connsiteX1" y="connsiteY1"/>
+              </a:cxn>
+              <a:cxn ang="0">
+                <a:pos x="connsiteX2" y="connsiteY2"/>
+              </a:cxn>
+              <a:cxn ang="0">
+                <a:pos x="connsiteX3" y="connsiteY3"/>
+              </a:cxn>
+              <a:cxn ang="0">
+                <a:pos x="connsiteX4" y="connsiteY4"/>
+              </a:cxn>
+              <a:cxn ang="0">
+                <a:pos x="connsiteX5" y="connsiteY5"/>
+              </a:cxn>
+              <a:cxn ang="0">
+                <a:pos x="connsiteX6" y="connsiteY6"/>
+              </a:cxn>
+              <a:cxn ang="0">
+                <a:pos x="connsiteX7" y="connsiteY7"/>
+              </a:cxn>
+            </a:cxnLst>
+            <a:rect l="l" t="t" r="r" b="b"/>
+            <a:pathLst>
+              <a:path w="5000438" h="5400962">
+                <a:moveTo>
+                  <a:pt x="2299956" y="0"/>
+                </a:moveTo>
+                <a:cubicBezTo>
+                  <a:pt x="3791390" y="0"/>
+                  <a:pt x="5000438" y="1209047"/>
+                  <a:pt x="5000438" y="2700481"/>
+                </a:cubicBezTo>
+                <a:cubicBezTo>
+                  <a:pt x="5000438" y="4191915"/>
+                  <a:pt x="3791390" y="5400962"/>
+                  <a:pt x="2299956" y="5400962"/>
+                </a:cubicBezTo>
+                <a:cubicBezTo>
+                  <a:pt x="1367810" y="5400962"/>
+                  <a:pt x="545971" y="4928678"/>
+                  <a:pt x="60675" y="4210346"/>
+                </a:cubicBezTo>
+                <a:lnTo>
+                  <a:pt x="0" y="4110472"/>
+                </a:lnTo>
+                <a:lnTo>
+                  <a:pt x="0" y="1290491"/>
+                </a:lnTo>
+                <a:lnTo>
+                  <a:pt x="60675" y="1190617"/>
+                </a:lnTo>
+                <a:cubicBezTo>
+                  <a:pt x="545971" y="472284"/>
+                  <a:pt x="1367810" y="0"/>
+                  <a:pt x="2299956" y="0"/>
+                </a:cubicBezTo>
+                <a:close/>
+              </a:path>
+            </a:pathLst>
+          </a:custGeom>
+          <a:solidFill>
+            <a:srgbClr val="FFFFFF"/>
+          </a:solidFill>
+          <a:ln>
+            <a:gradFill>
+              <a:gsLst>
+                <a:gs pos="0">
+                  <a:schemeClr val="accent1">
+                    <a:lumMod val="40000"/>
+                    <a:lumOff val="60000"/>
+                  </a:schemeClr>
+                </a:gs>
+                <a:gs pos="23000">
+                  <a:schemeClr val="accent1">
+                    <a:lumMod val="45000"/>
+                    <a:lumOff val="55000"/>
+                  </a:schemeClr>
+                </a:gs>
+                <a:gs pos="83000">
+                  <a:schemeClr val="bg2">
+                    <a:lumMod val="85000"/>
+                  </a:schemeClr>
+                </a:gs>
+                <a:gs pos="100000">
+                  <a:schemeClr val="bg2">
+                    <a:lumMod val="85000"/>
+                  </a:schemeClr>
+                </a:gs>
+              </a:gsLst>
+              <a:lin ang="5400000" scaled="1"/>
+            </a:gradFill>
+          </a:ln>
+        </p:spPr>
+        <p:style>
+          <a:lnRef idx="2">
+            <a:schemeClr val="accent1">
+              <a:shade val="50000"/>
+            </a:schemeClr>
+          </a:lnRef>
+          <a:fillRef idx="1">
+            <a:schemeClr val="accent1"/>
+          </a:fillRef>
+          <a:effectRef idx="0">
+            <a:schemeClr val="accent1"/>
+          </a:effectRef>
+          <a:fontRef idx="minor">
+            <a:schemeClr val="lt1"/>
+          </a:fontRef>
+        </p:style>
+        <p:txBody>
+          <a:bodyPr wrap="square" rtlCol="0" anchor="ctr">
+            <a:noAutofit/>
+          </a:bodyPr>
+          <a:lstStyle/>
+          <a:p>
+            <a:pPr algn="ctr"/>
+            <a:endParaRPr lang="en-US"/>
+          </a:p>
+        </p:txBody>
+      </p:sp>
+      <p:pic>
+        <p:nvPicPr>
+          <p:cNvPr id="7" name="Picture 6">
+            <a:extLst>
+              <a:ext uri="{FF2B5EF4-FFF2-40B4-BE49-F238E27FC236}">
+                <a16:creationId xmlns:a16="http://schemas.microsoft.com/office/drawing/2014/main" id="{C40A2D42-2300-4BCF-A673-AE29DE96BDF6}"/>
+              </a:ext>
+            </a:extLst>
+          </p:cNvPr>
+          <p:cNvPicPr>
+            <a:picLocks noChangeAspect="1"/>
+          </p:cNvPicPr>
+          <p:nvPr/>
+        </p:nvPicPr>
+        <p:blipFill>
+          <a:blip r:embed="rId3">
+            <a:extLst>
+              <a:ext uri="{28A0092B-C50C-407E-A947-70E740481C1C}">
+                <a14:useLocalDpi xmlns:a14="http://schemas.microsoft.com/office/drawing/2010/main" val="0"/>
+              </a:ext>
+            </a:extLst>
+          </a:blip>
+          <a:stretch>
+            <a:fillRect/>
+          </a:stretch>
+        </p:blipFill>
+        <p:spPr>
+          <a:xfrm>
+            <a:off x="429349" y="2127184"/>
+            <a:ext cx="3661831" cy="2623831"/>
+          </a:xfrm>
+          <a:prstGeom prst="rect">
+            <a:avLst/>
+          </a:prstGeom>
+        </p:spPr>
+      </p:pic>
+      <p:sp>
+        <p:nvSpPr>
           <p:cNvPr id="3" name="Content Placeholder 2">
             <a:extLst>
               <a:ext uri="{FF2B5EF4-FFF2-40B4-BE49-F238E27FC236}">
@@ -4163,13 +4527,24 @@
             <p:ph idx="1"/>
           </p:nvPr>
         </p:nvSpPr>
-        <p:spPr/>
-        <p:txBody>
-          <a:bodyPr/>
-          <a:lstStyle/>
-          <a:p>
-            <a:r>
-              <a:rPr lang="en-US" dirty="0"/>
+        <p:spPr>
+          <a:xfrm>
+            <a:off x="6090574" y="2421682"/>
+            <a:ext cx="4977578" cy="3639289"/>
+          </a:xfrm>
+        </p:spPr>
+        <p:txBody>
+          <a:bodyPr anchor="ctr">
+            <a:normAutofit/>
+          </a:bodyPr>
+          <a:lstStyle/>
+          <a:p>
+            <a:r>
+              <a:rPr lang="en-US" sz="2000">
+                <a:solidFill>
+                  <a:srgbClr val="000000"/>
+                </a:solidFill>
+              </a:rPr>
               <a:t>More successful programs get to “reproduce” more</a:t>
             </a:r>
           </a:p>
@@ -4177,20 +4552,36 @@
             <a:pPr marL="0" indent="0">
               <a:buNone/>
             </a:pPr>
-            <a:endParaRPr lang="en-US" dirty="0"/>
-          </a:p>
-          <a:p>
-            <a:r>
-              <a:rPr lang="en-US" dirty="0"/>
+            <a:endParaRPr lang="en-US" sz="2000">
+              <a:solidFill>
+                <a:srgbClr val="000000"/>
+              </a:solidFill>
+            </a:endParaRPr>
+          </a:p>
+          <a:p>
+            <a:r>
+              <a:rPr lang="en-US" sz="2000">
+                <a:solidFill>
+                  <a:srgbClr val="000000"/>
+                </a:solidFill>
+              </a:rPr>
               <a:t>Tracks evolution of Moral Strategies</a:t>
             </a:r>
           </a:p>
           <a:p>
-            <a:endParaRPr lang="en-US" dirty="0"/>
-          </a:p>
-          <a:p>
-            <a:r>
-              <a:rPr lang="en-US" dirty="0"/>
+            <a:endParaRPr lang="en-US" sz="2000">
+              <a:solidFill>
+                <a:srgbClr val="000000"/>
+              </a:solidFill>
+            </a:endParaRPr>
+          </a:p>
+          <a:p>
+            <a:r>
+              <a:rPr lang="en-US" sz="2000">
+                <a:solidFill>
+                  <a:srgbClr val="000000"/>
+                </a:solidFill>
+              </a:rPr>
               <a:t>Hypothesis:  Altruistic strategies will outcompete selfish strategies</a:t>
             </a:r>
           </a:p>
@@ -4460,6 +4851,1210 @@
     <p:extLst>
       <p:ext uri="{BB962C8B-B14F-4D97-AF65-F5344CB8AC3E}">
         <p14:creationId xmlns:p14="http://schemas.microsoft.com/office/powerpoint/2010/main" val="4276482454"/>
+      </p:ext>
+    </p:extLst>
+  </p:cSld>
+  <p:clrMapOvr>
+    <a:masterClrMapping/>
+  </p:clrMapOvr>
+</p:sld>
+</file>
+
+<file path=ppt/slides/slide5.xml><?xml version="1.0" encoding="utf-8"?>
+<p:sld xmlns:a="http://schemas.openxmlformats.org/drawingml/2006/main" xmlns:r="http://schemas.openxmlformats.org/officeDocument/2006/relationships" xmlns:p="http://schemas.openxmlformats.org/presentationml/2006/main">
+  <p:cSld>
+    <p:bg>
+      <p:bgPr>
+        <a:solidFill>
+          <a:schemeClr val="bg1"/>
+        </a:solidFill>
+        <a:effectLst/>
+      </p:bgPr>
+    </p:bg>
+    <p:spTree>
+      <p:nvGrpSpPr>
+        <p:cNvPr id="1" name=""/>
+        <p:cNvGrpSpPr/>
+        <p:nvPr/>
+      </p:nvGrpSpPr>
+      <p:grpSpPr>
+        <a:xfrm>
+          <a:off x="0" y="0"/>
+          <a:ext cx="0" cy="0"/>
+          <a:chOff x="0" y="0"/>
+          <a:chExt cx="0" cy="0"/>
+        </a:xfrm>
+      </p:grpSpPr>
+      <p:sp>
+        <p:nvSpPr>
+          <p:cNvPr id="2" name="Title 1">
+            <a:extLst>
+              <a:ext uri="{FF2B5EF4-FFF2-40B4-BE49-F238E27FC236}">
+                <a16:creationId xmlns:a16="http://schemas.microsoft.com/office/drawing/2014/main" id="{B90A672A-E3DC-438C-A387-D13923B03CDE}"/>
+              </a:ext>
+            </a:extLst>
+          </p:cNvPr>
+          <p:cNvSpPr>
+            <a:spLocks noGrp="1"/>
+          </p:cNvSpPr>
+          <p:nvPr>
+            <p:ph type="title"/>
+          </p:nvPr>
+        </p:nvSpPr>
+        <p:spPr>
+          <a:xfrm>
+            <a:off x="1514292" y="513612"/>
+            <a:ext cx="9894133" cy="1031216"/>
+          </a:xfrm>
+        </p:spPr>
+        <p:txBody>
+          <a:bodyPr anchor="b">
+            <a:normAutofit/>
+          </a:bodyPr>
+          <a:lstStyle/>
+          <a:p>
+            <a:r>
+              <a:rPr lang="en-US"/>
+              <a:t>Results</a:t>
+            </a:r>
+            <a:endParaRPr lang="en-US" dirty="0"/>
+          </a:p>
+        </p:txBody>
+      </p:sp>
+      <p:pic>
+        <p:nvPicPr>
+          <p:cNvPr id="5" name="Picture 4" descr="A close up of a sign&#10;&#10;Description generated with very high confidence">
+            <a:extLst>
+              <a:ext uri="{FF2B5EF4-FFF2-40B4-BE49-F238E27FC236}">
+                <a16:creationId xmlns:a16="http://schemas.microsoft.com/office/drawing/2014/main" id="{2E3A7254-EB61-41E6-B7B4-515E43C73B7F}"/>
+              </a:ext>
+            </a:extLst>
+          </p:cNvPr>
+          <p:cNvPicPr>
+            <a:picLocks noChangeAspect="1"/>
+          </p:cNvPicPr>
+          <p:nvPr/>
+        </p:nvPicPr>
+        <p:blipFill>
+          <a:blip r:embed="rId2">
+            <a:extLst>
+              <a:ext uri="{28A0092B-C50C-407E-A947-70E740481C1C}">
+                <a14:useLocalDpi xmlns:a14="http://schemas.microsoft.com/office/drawing/2010/main" val="0"/>
+              </a:ext>
+            </a:extLst>
+          </a:blip>
+          <a:stretch>
+            <a:fillRect/>
+          </a:stretch>
+        </p:blipFill>
+        <p:spPr>
+          <a:xfrm>
+            <a:off x="1588736" y="2589086"/>
+            <a:ext cx="4920496" cy="2755478"/>
+          </a:xfrm>
+          <a:prstGeom prst="rect">
+            <a:avLst/>
+          </a:prstGeom>
+        </p:spPr>
+      </p:pic>
+      <p:sp>
+        <p:nvSpPr>
+          <p:cNvPr id="10" name="Freeform: Shape 9">
+            <a:extLst>
+              <a:ext uri="{FF2B5EF4-FFF2-40B4-BE49-F238E27FC236}">
+                <a16:creationId xmlns:a16="http://schemas.microsoft.com/office/drawing/2014/main" id="{C607803A-4E99-444E-94F7-8785CDDF5849}"/>
+              </a:ext>
+              <a:ext uri="{C183D7F6-B498-43B3-948B-1728B52AA6E4}">
+                <adec:decorative xmlns:adec="http://schemas.microsoft.com/office/drawing/2017/decorative" val="1"/>
+              </a:ext>
+            </a:extLst>
+          </p:cNvPr>
+          <p:cNvSpPr>
+            <a:spLocks noGrp="1" noRot="1" noChangeAspect="1" noMove="1" noResize="1" noEditPoints="1" noAdjustHandles="1" noChangeArrowheads="1" noChangeShapeType="1" noTextEdit="1"/>
+          </p:cNvSpPr>
+          <p:nvPr>
+            <p:extLst>
+              <p:ext uri="{386F3935-93C4-4BCD-93E2-E3B085C9AB24}">
+                <p16:designElem xmlns:p16="http://schemas.microsoft.com/office/powerpoint/2015/main" val="1"/>
+              </p:ext>
+            </p:extLst>
+          </p:nvPr>
+        </p:nvSpPr>
+        <p:spPr bwMode="auto">
+          <a:xfrm flipH="1" flipV="1">
+            <a:off x="780154" y="1884045"/>
+            <a:ext cx="3275668" cy="2853308"/>
+          </a:xfrm>
+          <a:custGeom>
+            <a:avLst/>
+            <a:gdLst>
+              <a:gd name="connsiteX0" fmla="*/ 3275668 w 3275668"/>
+              <a:gd name="connsiteY0" fmla="*/ 2853308 h 2853308"/>
+              <a:gd name="connsiteX1" fmla="*/ 655 w 3275668"/>
+              <a:gd name="connsiteY1" fmla="*/ 2853308 h 2853308"/>
+              <a:gd name="connsiteX2" fmla="*/ 0 w 3275668"/>
+              <a:gd name="connsiteY2" fmla="*/ 2467565 h 2853308"/>
+              <a:gd name="connsiteX3" fmla="*/ 2869894 w 3275668"/>
+              <a:gd name="connsiteY3" fmla="*/ 2468888 h 2853308"/>
+              <a:gd name="connsiteX4" fmla="*/ 2869894 w 3275668"/>
+              <a:gd name="connsiteY4" fmla="*/ 0 h 2853308"/>
+              <a:gd name="connsiteX5" fmla="*/ 3275668 w 3275668"/>
+              <a:gd name="connsiteY5" fmla="*/ 0 h 2853308"/>
+            </a:gdLst>
+            <a:ahLst/>
+            <a:cxnLst>
+              <a:cxn ang="0">
+                <a:pos x="connsiteX0" y="connsiteY0"/>
+              </a:cxn>
+              <a:cxn ang="0">
+                <a:pos x="connsiteX1" y="connsiteY1"/>
+              </a:cxn>
+              <a:cxn ang="0">
+                <a:pos x="connsiteX2" y="connsiteY2"/>
+              </a:cxn>
+              <a:cxn ang="0">
+                <a:pos x="connsiteX3" y="connsiteY3"/>
+              </a:cxn>
+              <a:cxn ang="0">
+                <a:pos x="connsiteX4" y="connsiteY4"/>
+              </a:cxn>
+              <a:cxn ang="0">
+                <a:pos x="connsiteX5" y="connsiteY5"/>
+              </a:cxn>
+            </a:cxnLst>
+            <a:rect l="l" t="t" r="r" b="b"/>
+            <a:pathLst>
+              <a:path w="3275668" h="2853308">
+                <a:moveTo>
+                  <a:pt x="3275668" y="2853308"/>
+                </a:moveTo>
+                <a:lnTo>
+                  <a:pt x="655" y="2853308"/>
+                </a:lnTo>
+                <a:cubicBezTo>
+                  <a:pt x="-655" y="2720171"/>
+                  <a:pt x="1310" y="2600702"/>
+                  <a:pt x="0" y="2467565"/>
+                </a:cubicBezTo>
+                <a:lnTo>
+                  <a:pt x="2869894" y="2468888"/>
+                </a:lnTo>
+                <a:lnTo>
+                  <a:pt x="2869894" y="0"/>
+                </a:lnTo>
+                <a:lnTo>
+                  <a:pt x="3275668" y="0"/>
+                </a:lnTo>
+                <a:close/>
+              </a:path>
+            </a:pathLst>
+          </a:custGeom>
+          <a:solidFill>
+            <a:srgbClr val="4C4C4C"/>
+          </a:solidFill>
+          <a:ln w="0">
+            <a:noFill/>
+            <a:prstDash val="solid"/>
+            <a:round/>
+            <a:headEnd/>
+            <a:tailEnd/>
+          </a:ln>
+        </p:spPr>
+      </p:sp>
+      <p:sp>
+        <p:nvSpPr>
+          <p:cNvPr id="12" name="Freeform: Shape 11">
+            <a:extLst>
+              <a:ext uri="{FF2B5EF4-FFF2-40B4-BE49-F238E27FC236}">
+                <a16:creationId xmlns:a16="http://schemas.microsoft.com/office/drawing/2014/main" id="{2989BE6A-C309-418E-8ADD-1616A980570D}"/>
+              </a:ext>
+              <a:ext uri="{C183D7F6-B498-43B3-948B-1728B52AA6E4}">
+                <adec:decorative xmlns:adec="http://schemas.microsoft.com/office/drawing/2017/decorative" val="1"/>
+              </a:ext>
+            </a:extLst>
+          </p:cNvPr>
+          <p:cNvSpPr>
+            <a:spLocks noGrp="1" noRot="1" noChangeAspect="1" noMove="1" noResize="1" noEditPoints="1" noAdjustHandles="1" noChangeArrowheads="1" noChangeShapeType="1" noTextEdit="1"/>
+          </p:cNvSpPr>
+          <p:nvPr>
+            <p:extLst>
+              <p:ext uri="{386F3935-93C4-4BCD-93E2-E3B085C9AB24}">
+                <p16:designElem xmlns:p16="http://schemas.microsoft.com/office/powerpoint/2015/main" val="1"/>
+              </p:ext>
+            </p:extLst>
+          </p:nvPr>
+        </p:nvSpPr>
+        <p:spPr bwMode="auto">
+          <a:xfrm>
+            <a:off x="4055822" y="3222529"/>
+            <a:ext cx="3242952" cy="2828156"/>
+          </a:xfrm>
+          <a:custGeom>
+            <a:avLst/>
+            <a:gdLst>
+              <a:gd name="connsiteX0" fmla="*/ 2837178 w 3242952"/>
+              <a:gd name="connsiteY0" fmla="*/ 0 h 2828156"/>
+              <a:gd name="connsiteX1" fmla="*/ 3242952 w 3242952"/>
+              <a:gd name="connsiteY1" fmla="*/ 0 h 2828156"/>
+              <a:gd name="connsiteX2" fmla="*/ 3242952 w 3242952"/>
+              <a:gd name="connsiteY2" fmla="*/ 2828156 h 2828156"/>
+              <a:gd name="connsiteX3" fmla="*/ 0 w 3242952"/>
+              <a:gd name="connsiteY3" fmla="*/ 2828156 h 2828156"/>
+              <a:gd name="connsiteX4" fmla="*/ 0 w 3242952"/>
+              <a:gd name="connsiteY4" fmla="*/ 2442859 h 2828156"/>
+              <a:gd name="connsiteX5" fmla="*/ 2837178 w 3242952"/>
+              <a:gd name="connsiteY5" fmla="*/ 2443295 h 2828156"/>
+            </a:gdLst>
+            <a:ahLst/>
+            <a:cxnLst>
+              <a:cxn ang="0">
+                <a:pos x="connsiteX0" y="connsiteY0"/>
+              </a:cxn>
+              <a:cxn ang="0">
+                <a:pos x="connsiteX1" y="connsiteY1"/>
+              </a:cxn>
+              <a:cxn ang="0">
+                <a:pos x="connsiteX2" y="connsiteY2"/>
+              </a:cxn>
+              <a:cxn ang="0">
+                <a:pos x="connsiteX3" y="connsiteY3"/>
+              </a:cxn>
+              <a:cxn ang="0">
+                <a:pos x="connsiteX4" y="connsiteY4"/>
+              </a:cxn>
+              <a:cxn ang="0">
+                <a:pos x="connsiteX5" y="connsiteY5"/>
+              </a:cxn>
+            </a:cxnLst>
+            <a:rect l="l" t="t" r="r" b="b"/>
+            <a:pathLst>
+              <a:path w="3242952" h="2828156">
+                <a:moveTo>
+                  <a:pt x="2837178" y="0"/>
+                </a:moveTo>
+                <a:lnTo>
+                  <a:pt x="3242952" y="0"/>
+                </a:lnTo>
+                <a:lnTo>
+                  <a:pt x="3242952" y="2828156"/>
+                </a:lnTo>
+                <a:lnTo>
+                  <a:pt x="0" y="2828156"/>
+                </a:lnTo>
+                <a:lnTo>
+                  <a:pt x="0" y="2442859"/>
+                </a:lnTo>
+                <a:lnTo>
+                  <a:pt x="2837178" y="2443295"/>
+                </a:lnTo>
+                <a:close/>
+              </a:path>
+            </a:pathLst>
+          </a:custGeom>
+          <a:solidFill>
+            <a:srgbClr val="4C4C4C"/>
+          </a:solidFill>
+          <a:ln w="0">
+            <a:noFill/>
+            <a:prstDash val="solid"/>
+            <a:round/>
+            <a:headEnd/>
+            <a:tailEnd/>
+          </a:ln>
+        </p:spPr>
+        <p:txBody>
+          <a:bodyPr wrap="square">
+            <a:noAutofit/>
+          </a:bodyPr>
+          <a:lstStyle/>
+          <a:p>
+            <a:pPr marL="0" marR="0" lvl="0" indent="0" algn="l" defTabSz="914400" rtl="0" eaLnBrk="1" fontAlgn="auto" latinLnBrk="0" hangingPunct="1">
+              <a:lnSpc>
+                <a:spcPct val="100000"/>
+              </a:lnSpc>
+              <a:spcBef>
+                <a:spcPts val="0"/>
+              </a:spcBef>
+              <a:spcAft>
+                <a:spcPts val="0"/>
+              </a:spcAft>
+              <a:buClrTx/>
+              <a:buSzTx/>
+              <a:buFontTx/>
+              <a:buNone/>
+              <a:tabLst/>
+              <a:defRPr/>
+            </a:pPr>
+            <a:endParaRPr kumimoji="0" lang="en-US" sz="1800" b="0" i="0" u="none" strike="noStrike" kern="1200" cap="none" spc="0" normalizeH="0" baseline="0" noProof="0">
+              <a:ln>
+                <a:noFill/>
+              </a:ln>
+              <a:solidFill>
+                <a:prstClr val="black"/>
+              </a:solidFill>
+              <a:effectLst/>
+              <a:uLnTx/>
+              <a:uFillTx/>
+              <a:latin typeface="Calibri" panose="020F0502020204030204"/>
+              <a:ea typeface="+mn-ea"/>
+              <a:cs typeface="+mn-cs"/>
+            </a:endParaRPr>
+          </a:p>
+        </p:txBody>
+      </p:sp>
+      <p:sp>
+        <p:nvSpPr>
+          <p:cNvPr id="3" name="Content Placeholder 2">
+            <a:extLst>
+              <a:ext uri="{FF2B5EF4-FFF2-40B4-BE49-F238E27FC236}">
+                <a16:creationId xmlns:a16="http://schemas.microsoft.com/office/drawing/2014/main" id="{206A92E4-B5EB-46C7-B166-ABC86D74F362}"/>
+              </a:ext>
+            </a:extLst>
+          </p:cNvPr>
+          <p:cNvSpPr>
+            <a:spLocks noGrp="1"/>
+          </p:cNvSpPr>
+          <p:nvPr>
+            <p:ph idx="1"/>
+          </p:nvPr>
+        </p:nvSpPr>
+        <p:spPr>
+          <a:xfrm>
+            <a:off x="7781373" y="2279151"/>
+            <a:ext cx="3627063" cy="3387145"/>
+          </a:xfrm>
+        </p:spPr>
+        <p:txBody>
+          <a:bodyPr anchor="ctr">
+            <a:normAutofit/>
+          </a:bodyPr>
+          <a:lstStyle/>
+          <a:p>
+            <a:r>
+              <a:rPr lang="en-US" sz="2400"/>
+              <a:t>During first 5 rounds cooperative strategies won out</a:t>
+            </a:r>
+          </a:p>
+          <a:p>
+            <a:endParaRPr lang="en-US" sz="2400"/>
+          </a:p>
+          <a:p>
+            <a:r>
+              <a:rPr lang="en-US" sz="2400"/>
+              <a:t>After this, selfish strategies became more common and replaced other programs</a:t>
+            </a:r>
+          </a:p>
+        </p:txBody>
+      </p:sp>
+    </p:spTree>
+    <p:extLst>
+      <p:ext uri="{BB962C8B-B14F-4D97-AF65-F5344CB8AC3E}">
+        <p14:creationId xmlns:p14="http://schemas.microsoft.com/office/powerpoint/2010/main" val="4096075436"/>
+      </p:ext>
+    </p:extLst>
+  </p:cSld>
+  <p:clrMapOvr>
+    <a:masterClrMapping/>
+  </p:clrMapOvr>
+</p:sld>
+</file>
+
+<file path=ppt/slides/slide6.xml><?xml version="1.0" encoding="utf-8"?>
+<p:sld xmlns:a="http://schemas.openxmlformats.org/drawingml/2006/main" xmlns:r="http://schemas.openxmlformats.org/officeDocument/2006/relationships" xmlns:p="http://schemas.openxmlformats.org/presentationml/2006/main">
+  <p:cSld>
+    <p:bg>
+      <p:bgPr>
+        <a:solidFill>
+          <a:schemeClr val="bg1"/>
+        </a:solidFill>
+        <a:effectLst/>
+      </p:bgPr>
+    </p:bg>
+    <p:spTree>
+      <p:nvGrpSpPr>
+        <p:cNvPr id="1" name=""/>
+        <p:cNvGrpSpPr/>
+        <p:nvPr/>
+      </p:nvGrpSpPr>
+      <p:grpSpPr>
+        <a:xfrm>
+          <a:off x="0" y="0"/>
+          <a:ext cx="0" cy="0"/>
+          <a:chOff x="0" y="0"/>
+          <a:chExt cx="0" cy="0"/>
+        </a:xfrm>
+      </p:grpSpPr>
+      <p:sp>
+        <p:nvSpPr>
+          <p:cNvPr id="8" name="Rectangle 7">
+            <a:extLst>
+              <a:ext uri="{FF2B5EF4-FFF2-40B4-BE49-F238E27FC236}">
+                <a16:creationId xmlns:a16="http://schemas.microsoft.com/office/drawing/2014/main" id="{4351DFE5-F63D-4BE0-BDA9-E3EB88F01AA5}"/>
+              </a:ext>
+              <a:ext uri="{C183D7F6-B498-43B3-948B-1728B52AA6E4}">
+                <adec:decorative xmlns:adec="http://schemas.microsoft.com/office/drawing/2017/decorative" val="1"/>
+              </a:ext>
+            </a:extLst>
+          </p:cNvPr>
+          <p:cNvSpPr>
+            <a:spLocks noGrp="1" noRot="1" noChangeAspect="1" noMove="1" noResize="1" noEditPoints="1" noAdjustHandles="1" noChangeArrowheads="1" noChangeShapeType="1" noTextEdit="1"/>
+          </p:cNvSpPr>
+          <p:nvPr>
+            <p:extLst>
+              <p:ext uri="{386F3935-93C4-4BCD-93E2-E3B085C9AB24}">
+                <p16:designElem xmlns:p16="http://schemas.microsoft.com/office/powerpoint/2015/main" val="1"/>
+              </p:ext>
+            </p:extLst>
+          </p:nvPr>
+        </p:nvSpPr>
+        <p:spPr>
+          <a:xfrm>
+            <a:off x="355601" y="0"/>
+            <a:ext cx="11480494" cy="2753936"/>
+          </a:xfrm>
+          <a:prstGeom prst="rect">
+            <a:avLst/>
+          </a:prstGeom>
+          <a:gradFill>
+            <a:gsLst>
+              <a:gs pos="0">
+                <a:schemeClr val="accent1">
+                  <a:lumMod val="90000"/>
+                </a:schemeClr>
+              </a:gs>
+              <a:gs pos="25000">
+                <a:schemeClr val="accent1">
+                  <a:lumMod val="90000"/>
+                </a:schemeClr>
+              </a:gs>
+              <a:gs pos="94000">
+                <a:schemeClr val="bg2">
+                  <a:lumMod val="25000"/>
+                </a:schemeClr>
+              </a:gs>
+              <a:gs pos="100000">
+                <a:schemeClr val="bg2">
+                  <a:lumMod val="25000"/>
+                </a:schemeClr>
+              </a:gs>
+            </a:gsLst>
+            <a:lin ang="4200000" scaled="0"/>
+          </a:gradFill>
+          <a:ln>
+            <a:noFill/>
+          </a:ln>
+        </p:spPr>
+        <p:style>
+          <a:lnRef idx="2">
+            <a:schemeClr val="accent1">
+              <a:shade val="50000"/>
+            </a:schemeClr>
+          </a:lnRef>
+          <a:fillRef idx="1">
+            <a:schemeClr val="accent1"/>
+          </a:fillRef>
+          <a:effectRef idx="0">
+            <a:schemeClr val="accent1"/>
+          </a:effectRef>
+          <a:fontRef idx="minor">
+            <a:schemeClr val="lt1"/>
+          </a:fontRef>
+        </p:style>
+        <p:txBody>
+          <a:bodyPr rtlCol="0" anchor="ctr"/>
+          <a:lstStyle/>
+          <a:p>
+            <a:pPr algn="ctr"/>
+            <a:endParaRPr lang="en-US"/>
+          </a:p>
+        </p:txBody>
+      </p:sp>
+      <p:pic>
+        <p:nvPicPr>
+          <p:cNvPr id="10" name="Picture 9">
+            <a:extLst>
+              <a:ext uri="{FF2B5EF4-FFF2-40B4-BE49-F238E27FC236}">
+                <a16:creationId xmlns:a16="http://schemas.microsoft.com/office/drawing/2014/main" id="{3AA16612-ACD2-4A16-8F2B-4514FD6BF28F}"/>
+              </a:ext>
+              <a:ext uri="{C183D7F6-B498-43B3-948B-1728B52AA6E4}">
+                <adec:decorative xmlns:adec="http://schemas.microsoft.com/office/drawing/2017/decorative" val="1"/>
+              </a:ext>
+            </a:extLst>
+          </p:cNvPr>
+          <p:cNvPicPr>
+            <a:picLocks noGrp="1" noRot="1" noChangeAspect="1" noMove="1" noResize="1" noEditPoints="1" noAdjustHandles="1" noChangeArrowheads="1" noChangeShapeType="1" noCrop="1"/>
+          </p:cNvPicPr>
+          <p:nvPr>
+            <p:extLst>
+              <p:ext uri="{386F3935-93C4-4BCD-93E2-E3B085C9AB24}">
+                <p16:designElem xmlns:p16="http://schemas.microsoft.com/office/powerpoint/2015/main" val="1"/>
+              </p:ext>
+            </p:extLst>
+          </p:nvPr>
+        </p:nvPicPr>
+        <p:blipFill>
+          <a:blip r:embed="rId2">
+            <a:extLst>
+              <a:ext uri="{28A0092B-C50C-407E-A947-70E740481C1C}">
+                <a14:useLocalDpi xmlns:a14="http://schemas.microsoft.com/office/drawing/2010/main" val="0"/>
+              </a:ext>
+            </a:extLst>
+          </a:blip>
+          <a:stretch>
+            <a:fillRect/>
+          </a:stretch>
+        </p:blipFill>
+        <p:spPr>
+          <a:xfrm>
+            <a:off x="0" y="0"/>
+            <a:ext cx="12192000" cy="6858000"/>
+          </a:xfrm>
+          <a:prstGeom prst="rect">
+            <a:avLst/>
+          </a:prstGeom>
+        </p:spPr>
+      </p:pic>
+      <p:sp>
+        <p:nvSpPr>
+          <p:cNvPr id="2" name="Title 1">
+            <a:extLst>
+              <a:ext uri="{FF2B5EF4-FFF2-40B4-BE49-F238E27FC236}">
+                <a16:creationId xmlns:a16="http://schemas.microsoft.com/office/drawing/2014/main" id="{0A208155-CE96-4647-A39F-ECE11D3905D2}"/>
+              </a:ext>
+            </a:extLst>
+          </p:cNvPr>
+          <p:cNvSpPr>
+            <a:spLocks noGrp="1"/>
+          </p:cNvSpPr>
+          <p:nvPr>
+            <p:ph type="title"/>
+          </p:nvPr>
+        </p:nvSpPr>
+        <p:spPr>
+          <a:xfrm>
+            <a:off x="1179226" y="826680"/>
+            <a:ext cx="9833548" cy="1325563"/>
+          </a:xfrm>
+        </p:spPr>
+        <p:txBody>
+          <a:bodyPr>
+            <a:normAutofit/>
+          </a:bodyPr>
+          <a:lstStyle/>
+          <a:p>
+            <a:pPr algn="ctr"/>
+            <a:r>
+              <a:rPr lang="en-US" sz="4000">
+                <a:solidFill>
+                  <a:srgbClr val="FFFFFF"/>
+                </a:solidFill>
+              </a:rPr>
+              <a:t>Interpretation</a:t>
+            </a:r>
+          </a:p>
+        </p:txBody>
+      </p:sp>
+      <p:sp>
+        <p:nvSpPr>
+          <p:cNvPr id="3" name="Content Placeholder 2">
+            <a:extLst>
+              <a:ext uri="{FF2B5EF4-FFF2-40B4-BE49-F238E27FC236}">
+                <a16:creationId xmlns:a16="http://schemas.microsoft.com/office/drawing/2014/main" id="{0888EF19-E420-480D-A4E3-A15EC0BEF1CC}"/>
+              </a:ext>
+            </a:extLst>
+          </p:cNvPr>
+          <p:cNvSpPr>
+            <a:spLocks noGrp="1"/>
+          </p:cNvSpPr>
+          <p:nvPr>
+            <p:ph idx="1"/>
+          </p:nvPr>
+        </p:nvSpPr>
+        <p:spPr>
+          <a:xfrm>
+            <a:off x="1179226" y="3092970"/>
+            <a:ext cx="9833548" cy="2693976"/>
+          </a:xfrm>
+        </p:spPr>
+        <p:txBody>
+          <a:bodyPr>
+            <a:normAutofit/>
+          </a:bodyPr>
+          <a:lstStyle/>
+          <a:p>
+            <a:pPr marL="0" indent="0">
+              <a:buNone/>
+            </a:pPr>
+            <a:r>
+              <a:rPr lang="en-US" sz="2000" dirty="0">
+                <a:solidFill>
+                  <a:srgbClr val="000000"/>
+                </a:solidFill>
+              </a:rPr>
+              <a:t>Due to the structure of the Code:</a:t>
+            </a:r>
+          </a:p>
+          <a:p>
+            <a:pPr marL="0" indent="0">
+              <a:buNone/>
+            </a:pPr>
+            <a:r>
+              <a:rPr lang="en-US" sz="2000" dirty="0">
+                <a:solidFill>
+                  <a:srgbClr val="000000"/>
+                </a:solidFill>
+              </a:rPr>
+              <a:t>	Programs were more likely to be paired off with similar programs in the beginning, 	increasing the viability of cooperative strategies</a:t>
+            </a:r>
+          </a:p>
+          <a:p>
+            <a:endParaRPr lang="en-US" sz="2000" dirty="0">
+              <a:solidFill>
+                <a:srgbClr val="000000"/>
+              </a:solidFill>
+            </a:endParaRPr>
+          </a:p>
+          <a:p>
+            <a:pPr marL="457200" lvl="1" indent="0">
+              <a:buNone/>
+            </a:pPr>
+            <a:r>
+              <a:rPr lang="en-US" sz="2000" dirty="0">
+                <a:solidFill>
+                  <a:srgbClr val="000000"/>
+                </a:solidFill>
+              </a:rPr>
+              <a:t>	In later rounds, pairings were more random</a:t>
+            </a:r>
+          </a:p>
+        </p:txBody>
+      </p:sp>
+    </p:spTree>
+    <p:extLst>
+      <p:ext uri="{BB962C8B-B14F-4D97-AF65-F5344CB8AC3E}">
+        <p14:creationId xmlns:p14="http://schemas.microsoft.com/office/powerpoint/2010/main" val="3903358109"/>
+      </p:ext>
+    </p:extLst>
+  </p:cSld>
+  <p:clrMapOvr>
+    <a:masterClrMapping/>
+  </p:clrMapOvr>
+</p:sld>
+</file>
+
+<file path=ppt/slides/slide7.xml><?xml version="1.0" encoding="utf-8"?>
+<p:sld xmlns:a="http://schemas.openxmlformats.org/drawingml/2006/main" xmlns:r="http://schemas.openxmlformats.org/officeDocument/2006/relationships" xmlns:p="http://schemas.openxmlformats.org/presentationml/2006/main">
+  <p:cSld>
+    <p:bg>
+      <p:bgPr>
+        <a:solidFill>
+          <a:schemeClr val="bg1"/>
+        </a:solidFill>
+        <a:effectLst/>
+      </p:bgPr>
+    </p:bg>
+    <p:spTree>
+      <p:nvGrpSpPr>
+        <p:cNvPr id="1" name=""/>
+        <p:cNvGrpSpPr/>
+        <p:nvPr/>
+      </p:nvGrpSpPr>
+      <p:grpSpPr>
+        <a:xfrm>
+          <a:off x="0" y="0"/>
+          <a:ext cx="0" cy="0"/>
+          <a:chOff x="0" y="0"/>
+          <a:chExt cx="0" cy="0"/>
+        </a:xfrm>
+      </p:grpSpPr>
+      <p:sp>
+        <p:nvSpPr>
+          <p:cNvPr id="2" name="Title 1">
+            <a:extLst>
+              <a:ext uri="{FF2B5EF4-FFF2-40B4-BE49-F238E27FC236}">
+                <a16:creationId xmlns:a16="http://schemas.microsoft.com/office/drawing/2014/main" id="{7B5E4623-CA5A-4A54-8218-9871DCDFE7E6}"/>
+              </a:ext>
+            </a:extLst>
+          </p:cNvPr>
+          <p:cNvSpPr>
+            <a:spLocks noGrp="1"/>
+          </p:cNvSpPr>
+          <p:nvPr>
+            <p:ph type="title"/>
+          </p:nvPr>
+        </p:nvSpPr>
+        <p:spPr>
+          <a:xfrm>
+            <a:off x="1136428" y="627564"/>
+            <a:ext cx="7474172" cy="1325563"/>
+          </a:xfrm>
+        </p:spPr>
+        <p:txBody>
+          <a:bodyPr>
+            <a:normAutofit/>
+          </a:bodyPr>
+          <a:lstStyle/>
+          <a:p>
+            <a:r>
+              <a:rPr lang="en-US" dirty="0"/>
+              <a:t>Test : Create 2 new simulations</a:t>
+            </a:r>
+          </a:p>
+        </p:txBody>
+      </p:sp>
+      <p:sp>
+        <p:nvSpPr>
+          <p:cNvPr id="3" name="Content Placeholder 2">
+            <a:extLst>
+              <a:ext uri="{FF2B5EF4-FFF2-40B4-BE49-F238E27FC236}">
+                <a16:creationId xmlns:a16="http://schemas.microsoft.com/office/drawing/2014/main" id="{23C80A1E-ECD2-4428-B09E-BD8F4E2F2EFC}"/>
+              </a:ext>
+            </a:extLst>
+          </p:cNvPr>
+          <p:cNvSpPr>
+            <a:spLocks noGrp="1"/>
+          </p:cNvSpPr>
+          <p:nvPr>
+            <p:ph idx="1"/>
+          </p:nvPr>
+        </p:nvSpPr>
+        <p:spPr>
+          <a:xfrm>
+            <a:off x="637840" y="1710813"/>
+            <a:ext cx="7972759" cy="4519623"/>
+          </a:xfrm>
+        </p:spPr>
+        <p:txBody>
+          <a:bodyPr anchor="ctr">
+            <a:normAutofit/>
+          </a:bodyPr>
+          <a:lstStyle/>
+          <a:p>
+            <a:r>
+              <a:rPr lang="en-US" sz="2400" dirty="0"/>
+              <a:t>One where it’s pairing is random the entire time(Sim2)</a:t>
+            </a:r>
+          </a:p>
+          <a:p>
+            <a:pPr marL="0" indent="0">
+              <a:buNone/>
+            </a:pPr>
+            <a:r>
+              <a:rPr lang="en-US" sz="2400" dirty="0"/>
+              <a:t>	- Result : Uncooperative strategies win immediately</a:t>
+            </a:r>
+          </a:p>
+          <a:p>
+            <a:r>
+              <a:rPr lang="en-US" sz="2400" dirty="0"/>
+              <a:t>One where the programs are clustered the entire time(Sim3)</a:t>
+            </a:r>
+          </a:p>
+          <a:p>
+            <a:pPr marL="457200" lvl="1" indent="0">
+              <a:buNone/>
+            </a:pPr>
+            <a:r>
+              <a:rPr lang="en-US" dirty="0"/>
+              <a:t>	- Result : Cooperative strategies win</a:t>
+            </a:r>
+          </a:p>
+          <a:p>
+            <a:pPr marL="457200" lvl="1" indent="0">
+              <a:buNone/>
+            </a:pPr>
+            <a:endParaRPr lang="en-US" dirty="0"/>
+          </a:p>
+          <a:p>
+            <a:pPr marL="457200" lvl="1" indent="0">
+              <a:buNone/>
+            </a:pPr>
+            <a:r>
+              <a:rPr lang="en-US" dirty="0"/>
+              <a:t>My interpretation was supported!</a:t>
+            </a:r>
+          </a:p>
+        </p:txBody>
+      </p:sp>
+      <p:sp>
+        <p:nvSpPr>
+          <p:cNvPr id="10" name="Rectangle 9">
+            <a:extLst>
+              <a:ext uri="{FF2B5EF4-FFF2-40B4-BE49-F238E27FC236}">
+                <a16:creationId xmlns:a16="http://schemas.microsoft.com/office/drawing/2014/main" id="{59A309A7-1751-4ABE-A3C1-EEC40366AD89}"/>
+              </a:ext>
+              <a:ext uri="{C183D7F6-B498-43B3-948B-1728B52AA6E4}">
+                <adec:decorative xmlns:adec="http://schemas.microsoft.com/office/drawing/2017/decorative" val="1"/>
+              </a:ext>
+            </a:extLst>
+          </p:cNvPr>
+          <p:cNvSpPr>
+            <a:spLocks noGrp="1" noRot="1" noChangeAspect="1" noMove="1" noResize="1" noEditPoints="1" noAdjustHandles="1" noChangeArrowheads="1" noChangeShapeType="1" noTextEdit="1"/>
+          </p:cNvSpPr>
+          <p:nvPr>
+            <p:extLst>
+              <p:ext uri="{386F3935-93C4-4BCD-93E2-E3B085C9AB24}">
+                <p16:designElem xmlns:p16="http://schemas.microsoft.com/office/powerpoint/2015/main" val="1"/>
+              </p:ext>
+            </p:extLst>
+          </p:nvPr>
+        </p:nvSpPr>
+        <p:spPr>
+          <a:xfrm>
+            <a:off x="10088880" y="0"/>
+            <a:ext cx="2103120" cy="6858000"/>
+          </a:xfrm>
+          <a:prstGeom prst="rect">
+            <a:avLst/>
+          </a:prstGeom>
+          <a:solidFill>
+            <a:schemeClr val="accent1"/>
+          </a:solidFill>
+          <a:ln>
+            <a:noFill/>
+          </a:ln>
+        </p:spPr>
+        <p:style>
+          <a:lnRef idx="2">
+            <a:schemeClr val="accent1">
+              <a:shade val="50000"/>
+            </a:schemeClr>
+          </a:lnRef>
+          <a:fillRef idx="1">
+            <a:schemeClr val="accent1"/>
+          </a:fillRef>
+          <a:effectRef idx="0">
+            <a:schemeClr val="accent1"/>
+          </a:effectRef>
+          <a:fontRef idx="minor">
+            <a:schemeClr val="lt1"/>
+          </a:fontRef>
+        </p:style>
+        <p:txBody>
+          <a:bodyPr rtlCol="0" anchor="ctr"/>
+          <a:lstStyle/>
+          <a:p>
+            <a:pPr algn="ctr"/>
+            <a:endParaRPr lang="en-US"/>
+          </a:p>
+        </p:txBody>
+      </p:sp>
+      <p:sp>
+        <p:nvSpPr>
+          <p:cNvPr id="12" name="Oval 11">
+            <a:extLst>
+              <a:ext uri="{FF2B5EF4-FFF2-40B4-BE49-F238E27FC236}">
+                <a16:creationId xmlns:a16="http://schemas.microsoft.com/office/drawing/2014/main" id="{967D8EB6-EAE1-4F9C-B398-83321E287204}"/>
+              </a:ext>
+              <a:ext uri="{C183D7F6-B498-43B3-948B-1728B52AA6E4}">
+                <adec:decorative xmlns:adec="http://schemas.microsoft.com/office/drawing/2017/decorative" val="1"/>
+              </a:ext>
+            </a:extLst>
+          </p:cNvPr>
+          <p:cNvSpPr>
+            <a:spLocks noGrp="1" noRot="1" noChangeAspect="1" noMove="1" noResize="1" noEditPoints="1" noAdjustHandles="1" noChangeArrowheads="1" noChangeShapeType="1" noTextEdit="1"/>
+          </p:cNvSpPr>
+          <p:nvPr>
+            <p:extLst>
+              <p:ext uri="{386F3935-93C4-4BCD-93E2-E3B085C9AB24}">
+                <p16:designElem xmlns:p16="http://schemas.microsoft.com/office/powerpoint/2015/main" val="1"/>
+              </p:ext>
+            </p:extLst>
+          </p:nvPr>
+        </p:nvSpPr>
+        <p:spPr>
+          <a:xfrm>
+            <a:off x="8915400" y="2358913"/>
+            <a:ext cx="2140172" cy="2140172"/>
+          </a:xfrm>
+          <a:prstGeom prst="ellipse">
+            <a:avLst/>
+          </a:prstGeom>
+          <a:solidFill>
+            <a:srgbClr val="FFFFFF"/>
+          </a:solidFill>
+          <a:ln w="22225">
+            <a:solidFill>
+              <a:schemeClr val="accent1"/>
+            </a:solidFill>
+          </a:ln>
+        </p:spPr>
+        <p:style>
+          <a:lnRef idx="2">
+            <a:schemeClr val="accent1">
+              <a:shade val="50000"/>
+            </a:schemeClr>
+          </a:lnRef>
+          <a:fillRef idx="1">
+            <a:schemeClr val="accent1"/>
+          </a:fillRef>
+          <a:effectRef idx="0">
+            <a:schemeClr val="accent1"/>
+          </a:effectRef>
+          <a:fontRef idx="minor">
+            <a:schemeClr val="lt1"/>
+          </a:fontRef>
+        </p:style>
+        <p:txBody>
+          <a:bodyPr rtlCol="0" anchor="ctr"/>
+          <a:lstStyle/>
+          <a:p>
+            <a:pPr algn="ctr"/>
+            <a:endParaRPr lang="en-US"/>
+          </a:p>
+        </p:txBody>
+      </p:sp>
+      <p:pic>
+        <p:nvPicPr>
+          <p:cNvPr id="7" name="Graphic 6" descr="Bullseye">
+            <a:extLst>
+              <a:ext uri="{FF2B5EF4-FFF2-40B4-BE49-F238E27FC236}">
+                <a16:creationId xmlns:a16="http://schemas.microsoft.com/office/drawing/2014/main" id="{E139B99E-3B1A-452B-9215-0451BCA6D112}"/>
+              </a:ext>
+            </a:extLst>
+          </p:cNvPr>
+          <p:cNvPicPr>
+            <a:picLocks noChangeAspect="1"/>
+          </p:cNvPicPr>
+          <p:nvPr/>
+        </p:nvPicPr>
+        <p:blipFill>
+          <a:blip r:embed="rId2">
+            <a:extLst>
+              <a:ext uri="{28A0092B-C50C-407E-A947-70E740481C1C}">
+                <a14:useLocalDpi xmlns:a14="http://schemas.microsoft.com/office/drawing/2010/main" val="0"/>
+              </a:ext>
+              <a:ext uri="{96DAC541-7B7A-43D3-8B79-37D633B846F1}">
+                <asvg:svgBlip xmlns:asvg="http://schemas.microsoft.com/office/drawing/2016/SVG/main" r:embed="rId3"/>
+              </a:ext>
+            </a:extLst>
+          </a:blip>
+          <a:stretch>
+            <a:fillRect/>
+          </a:stretch>
+        </p:blipFill>
+        <p:spPr>
+          <a:xfrm>
+            <a:off x="9413987" y="2857501"/>
+            <a:ext cx="1142998" cy="1142998"/>
+          </a:xfrm>
+          <a:prstGeom prst="rect">
+            <a:avLst/>
+          </a:prstGeom>
+        </p:spPr>
+      </p:pic>
+    </p:spTree>
+    <p:extLst>
+      <p:ext uri="{BB962C8B-B14F-4D97-AF65-F5344CB8AC3E}">
+        <p14:creationId xmlns:p14="http://schemas.microsoft.com/office/powerpoint/2010/main" val="4065632810"/>
+      </p:ext>
+    </p:extLst>
+  </p:cSld>
+  <p:clrMapOvr>
+    <a:masterClrMapping/>
+  </p:clrMapOvr>
+</p:sld>
+</file>
+
+<file path=ppt/slides/slide8.xml><?xml version="1.0" encoding="utf-8"?>
+<p:sld xmlns:a="http://schemas.openxmlformats.org/drawingml/2006/main" xmlns:r="http://schemas.openxmlformats.org/officeDocument/2006/relationships" xmlns:p="http://schemas.openxmlformats.org/presentationml/2006/main">
+  <p:cSld>
+    <p:bg>
+      <p:bgPr>
+        <a:solidFill>
+          <a:schemeClr val="bg1"/>
+        </a:solidFill>
+        <a:effectLst/>
+      </p:bgPr>
+    </p:bg>
+    <p:spTree>
+      <p:nvGrpSpPr>
+        <p:cNvPr id="1" name=""/>
+        <p:cNvGrpSpPr/>
+        <p:nvPr/>
+      </p:nvGrpSpPr>
+      <p:grpSpPr>
+        <a:xfrm>
+          <a:off x="0" y="0"/>
+          <a:ext cx="0" cy="0"/>
+          <a:chOff x="0" y="0"/>
+          <a:chExt cx="0" cy="0"/>
+        </a:xfrm>
+      </p:grpSpPr>
+      <p:sp>
+        <p:nvSpPr>
+          <p:cNvPr id="2" name="Title 1">
+            <a:extLst>
+              <a:ext uri="{FF2B5EF4-FFF2-40B4-BE49-F238E27FC236}">
+                <a16:creationId xmlns:a16="http://schemas.microsoft.com/office/drawing/2014/main" id="{0C709DB3-B8F8-410D-B40A-0AF284AEC040}"/>
+              </a:ext>
+            </a:extLst>
+          </p:cNvPr>
+          <p:cNvSpPr>
+            <a:spLocks noGrp="1"/>
+          </p:cNvSpPr>
+          <p:nvPr>
+            <p:ph type="title"/>
+          </p:nvPr>
+        </p:nvSpPr>
+        <p:spPr>
+          <a:xfrm>
+            <a:off x="960100" y="978102"/>
+            <a:ext cx="10588434" cy="1062644"/>
+          </a:xfrm>
+        </p:spPr>
+        <p:txBody>
+          <a:bodyPr anchor="b">
+            <a:normAutofit/>
+          </a:bodyPr>
+          <a:lstStyle/>
+          <a:p>
+            <a:r>
+              <a:rPr lang="en-US" dirty="0"/>
+              <a:t>Application / Future Directions</a:t>
+            </a:r>
+          </a:p>
+        </p:txBody>
+      </p:sp>
+      <p:cxnSp>
+        <p:nvCxnSpPr>
+          <p:cNvPr id="10" name="Straight Connector 9">
+            <a:extLst>
+              <a:ext uri="{FF2B5EF4-FFF2-40B4-BE49-F238E27FC236}">
+                <a16:creationId xmlns:a16="http://schemas.microsoft.com/office/drawing/2014/main" id="{39B7FDC9-F0CE-43A7-9F2A-83DD09DC3453}"/>
+              </a:ext>
+              <a:ext uri="{C183D7F6-B498-43B3-948B-1728B52AA6E4}">
+                <adec:decorative xmlns:adec="http://schemas.microsoft.com/office/drawing/2017/decorative" val="1"/>
+              </a:ext>
+            </a:extLst>
+          </p:cNvPr>
+          <p:cNvCxnSpPr>
+            <a:cxnSpLocks noGrp="1" noRot="1" noChangeAspect="1" noMove="1" noResize="1" noEditPoints="1" noAdjustHandles="1" noChangeArrowheads="1" noChangeShapeType="1"/>
+          </p:cNvCxnSpPr>
+          <p:nvPr>
+            <p:extLst>
+              <p:ext uri="{386F3935-93C4-4BCD-93E2-E3B085C9AB24}">
+                <p16:designElem xmlns:p16="http://schemas.microsoft.com/office/powerpoint/2015/main" val="1"/>
+              </p:ext>
+            </p:extLst>
+          </p:nvPr>
+        </p:nvCxnSpPr>
+        <p:spPr>
+          <a:xfrm>
+            <a:off x="1047624" y="2265037"/>
+            <a:ext cx="10125012" cy="0"/>
+          </a:xfrm>
+          <a:prstGeom prst="line">
+            <a:avLst/>
+          </a:prstGeom>
+          <a:ln w="15875">
+            <a:solidFill>
+              <a:schemeClr val="tx1">
+                <a:lumMod val="65000"/>
+                <a:lumOff val="35000"/>
+              </a:schemeClr>
+            </a:solidFill>
+          </a:ln>
+        </p:spPr>
+        <p:style>
+          <a:lnRef idx="1">
+            <a:schemeClr val="accent1"/>
+          </a:lnRef>
+          <a:fillRef idx="0">
+            <a:schemeClr val="accent1"/>
+          </a:fillRef>
+          <a:effectRef idx="0">
+            <a:schemeClr val="accent1"/>
+          </a:effectRef>
+          <a:fontRef idx="minor">
+            <a:schemeClr val="tx1"/>
+          </a:fontRef>
+        </p:style>
+      </p:cxnSp>
+      <p:pic>
+        <p:nvPicPr>
+          <p:cNvPr id="5" name="Picture 4" descr="A group of people walking on a beach&#10;&#10;Description generated with very high confidence">
+            <a:extLst>
+              <a:ext uri="{FF2B5EF4-FFF2-40B4-BE49-F238E27FC236}">
+                <a16:creationId xmlns:a16="http://schemas.microsoft.com/office/drawing/2014/main" id="{2FE934A1-13E3-4881-9DBC-1D1F210B1299}"/>
+              </a:ext>
+            </a:extLst>
+          </p:cNvPr>
+          <p:cNvPicPr>
+            <a:picLocks noChangeAspect="1"/>
+          </p:cNvPicPr>
+          <p:nvPr/>
+        </p:nvPicPr>
+        <p:blipFill>
+          <a:blip r:embed="rId2">
+            <a:extLst>
+              <a:ext uri="{28A0092B-C50C-407E-A947-70E740481C1C}">
+                <a14:useLocalDpi xmlns:a14="http://schemas.microsoft.com/office/drawing/2010/main" val="0"/>
+              </a:ext>
+            </a:extLst>
+          </a:blip>
+          <a:stretch>
+            <a:fillRect/>
+          </a:stretch>
+        </p:blipFill>
+        <p:spPr>
+          <a:xfrm>
+            <a:off x="1114023" y="2811104"/>
+            <a:ext cx="3366480" cy="2240239"/>
+          </a:xfrm>
+          <a:prstGeom prst="rect">
+            <a:avLst/>
+          </a:prstGeom>
+        </p:spPr>
+      </p:pic>
+      <p:sp>
+        <p:nvSpPr>
+          <p:cNvPr id="3" name="Content Placeholder 2">
+            <a:extLst>
+              <a:ext uri="{FF2B5EF4-FFF2-40B4-BE49-F238E27FC236}">
+                <a16:creationId xmlns:a16="http://schemas.microsoft.com/office/drawing/2014/main" id="{B951F556-F147-4144-BD4B-D1BA1C2B3F72}"/>
+              </a:ext>
+            </a:extLst>
+          </p:cNvPr>
+          <p:cNvSpPr>
+            <a:spLocks noGrp="1"/>
+          </p:cNvSpPr>
+          <p:nvPr>
+            <p:ph idx="1"/>
+          </p:nvPr>
+        </p:nvSpPr>
+        <p:spPr>
+          <a:xfrm>
+            <a:off x="4955354" y="2682433"/>
+            <a:ext cx="6282169" cy="3215749"/>
+          </a:xfrm>
+        </p:spPr>
+        <p:txBody>
+          <a:bodyPr>
+            <a:normAutofit/>
+          </a:bodyPr>
+          <a:lstStyle/>
+          <a:p>
+            <a:r>
+              <a:rPr lang="en-US" sz="2400"/>
+              <a:t>Altruistic strategies are more viable when used on relatives</a:t>
+            </a:r>
+          </a:p>
+          <a:p>
+            <a:endParaRPr lang="en-US" sz="2400"/>
+          </a:p>
+          <a:p>
+            <a:r>
+              <a:rPr lang="en-US" sz="2400"/>
+              <a:t>Reputation may also help discourage selfishness, but was not included in my simulation</a:t>
+            </a:r>
+          </a:p>
+        </p:txBody>
+      </p:sp>
+    </p:spTree>
+    <p:extLst>
+      <p:ext uri="{BB962C8B-B14F-4D97-AF65-F5344CB8AC3E}">
+        <p14:creationId xmlns:p14="http://schemas.microsoft.com/office/powerpoint/2010/main" val="2165735170"/>
       </p:ext>
     </p:extLst>
   </p:cSld>
